--- a/Protostar/Stack 7.pptx
+++ b/Protostar/Stack 7.pptx
@@ -114,6 +114,11 @@
       </a:defRPr>
     </a:lvl9pPr>
   </p:defaultTextStyle>
+  <p:extLst>
+    <p:ext uri="{EFAFB233-063F-42B5-8137-9DF3F51BA10A}">
+      <p15:sldGuideLst xmlns:p15="http://schemas.microsoft.com/office/powerpoint/2012/main"/>
+    </p:ext>
+  </p:extLst>
 </p:presentation>
 </file>
 
@@ -4490,7 +4495,7 @@
         <p:spPr>
           <a:xfrm>
             <a:off x="1887523" y="3429000"/>
-            <a:ext cx="6937695" cy="646331"/>
+            <a:ext cx="6937695" cy="369332"/>
           </a:xfrm>
           <a:prstGeom prst="rect">
             <a:avLst/>
@@ -4512,28 +4517,10 @@
               <a:t>페이지대로 스크립트를 구성하면 성공한다</a:t>
             </a:r>
             <a:r>
-              <a:rPr lang="en-US" altLang="ko-KR" dirty="0"/>
+              <a:rPr lang="en-US" altLang="ko-KR"/>
               <a:t>.</a:t>
             </a:r>
-          </a:p>
-          <a:p>
-            <a:r>
-              <a:rPr lang="en-US" altLang="ko-KR" dirty="0"/>
-              <a:t>(</a:t>
-            </a:r>
-            <a:r>
-              <a:rPr lang="en-US" altLang="ko-KR" dirty="0" err="1"/>
-              <a:t>pwntool</a:t>
-            </a:r>
-            <a:r>
-              <a:rPr lang="ko-KR" altLang="en-US" dirty="0"/>
-              <a:t>로 하는 방법도 첨부하겠음</a:t>
-            </a:r>
-            <a:r>
-              <a:rPr lang="en-US" altLang="ko-KR" dirty="0"/>
-              <a:t>)</a:t>
-            </a:r>
-            <a:endParaRPr lang="ko-KR" altLang="en-US" dirty="0"/>
+            <a:endParaRPr lang="en-US" altLang="ko-KR" dirty="0"/>
           </a:p>
         </p:txBody>
       </p:sp>
